--- a/papers/车底检测/车底爆炸物检测装置产品立项报告.pptx
+++ b/papers/车底检测/车底爆炸物检测装置产品立项报告.pptx
@@ -5,7 +5,7 @@
     <p:sldMasterId id="2147483648" r:id="rId1"/>
   </p:sldMasterIdLst>
   <p:notesMasterIdLst>
-    <p:notesMasterId r:id="rId36"/>
+    <p:notesMasterId r:id="rId35"/>
   </p:notesMasterIdLst>
   <p:sldIdLst>
     <p:sldId id="256" r:id="rId2"/>
@@ -40,8 +40,7 @@
     <p:sldId id="264" r:id="rId31"/>
     <p:sldId id="277" r:id="rId32"/>
     <p:sldId id="278" r:id="rId33"/>
-    <p:sldId id="292" r:id="rId34"/>
-    <p:sldId id="293" r:id="rId35"/>
+    <p:sldId id="293" r:id="rId34"/>
   </p:sldIdLst>
   <p:sldSz cx="12192000" cy="6858000"/>
   <p:notesSz cx="6858000" cy="9144000"/>
@@ -230,7 +229,7 @@
           <a:p>
             <a:fld id="{A232F079-5FA0-4D43-B043-4254BE859003}" type="datetimeFigureOut">
               <a:rPr lang="zh-CN" altLang="en-US" smtClean="0"/>
-              <a:t>2024/4/23</a:t>
+              <a:t>2024/4/24</a:t>
             </a:fld>
             <a:endParaRPr lang="zh-CN" altLang="en-US"/>
           </a:p>
@@ -3640,7 +3639,7 @@
           <a:p>
             <a:fld id="{9F7E11EC-7DF4-422A-B424-7851BEC9D236}" type="slidenum">
               <a:rPr lang="zh-CN" altLang="en-US" smtClean="0"/>
-              <a:t>34</a:t>
+              <a:t>33</a:t>
             </a:fld>
             <a:endParaRPr lang="zh-CN" altLang="en-US"/>
           </a:p>
@@ -3806,7 +3805,7 @@
           <a:p>
             <a:fld id="{3576E301-EDC1-45FF-8C6D-A0476ABA9085}" type="datetimeFigureOut">
               <a:rPr lang="zh-CN" altLang="en-US" smtClean="0"/>
-              <a:t>2024/4/23</a:t>
+              <a:t>2024/4/24</a:t>
             </a:fld>
             <a:endParaRPr lang="zh-CN" altLang="en-US"/>
           </a:p>
@@ -4004,7 +4003,7 @@
           <a:p>
             <a:fld id="{3576E301-EDC1-45FF-8C6D-A0476ABA9085}" type="datetimeFigureOut">
               <a:rPr lang="zh-CN" altLang="en-US" smtClean="0"/>
-              <a:t>2024/4/23</a:t>
+              <a:t>2024/4/24</a:t>
             </a:fld>
             <a:endParaRPr lang="zh-CN" altLang="en-US"/>
           </a:p>
@@ -4212,7 +4211,7 @@
           <a:p>
             <a:fld id="{3576E301-EDC1-45FF-8C6D-A0476ABA9085}" type="datetimeFigureOut">
               <a:rPr lang="zh-CN" altLang="en-US" smtClean="0"/>
-              <a:t>2024/4/23</a:t>
+              <a:t>2024/4/24</a:t>
             </a:fld>
             <a:endParaRPr lang="zh-CN" altLang="en-US"/>
           </a:p>
@@ -4410,7 +4409,7 @@
           <a:p>
             <a:fld id="{3576E301-EDC1-45FF-8C6D-A0476ABA9085}" type="datetimeFigureOut">
               <a:rPr lang="zh-CN" altLang="en-US" smtClean="0"/>
-              <a:t>2024/4/23</a:t>
+              <a:t>2024/4/24</a:t>
             </a:fld>
             <a:endParaRPr lang="zh-CN" altLang="en-US"/>
           </a:p>
@@ -4685,7 +4684,7 @@
           <a:p>
             <a:fld id="{3576E301-EDC1-45FF-8C6D-A0476ABA9085}" type="datetimeFigureOut">
               <a:rPr lang="zh-CN" altLang="en-US" smtClean="0"/>
-              <a:t>2024/4/23</a:t>
+              <a:t>2024/4/24</a:t>
             </a:fld>
             <a:endParaRPr lang="zh-CN" altLang="en-US"/>
           </a:p>
@@ -4950,7 +4949,7 @@
           <a:p>
             <a:fld id="{3576E301-EDC1-45FF-8C6D-A0476ABA9085}" type="datetimeFigureOut">
               <a:rPr lang="zh-CN" altLang="en-US" smtClean="0"/>
-              <a:t>2024/4/23</a:t>
+              <a:t>2024/4/24</a:t>
             </a:fld>
             <a:endParaRPr lang="zh-CN" altLang="en-US"/>
           </a:p>
@@ -5362,7 +5361,7 @@
           <a:p>
             <a:fld id="{3576E301-EDC1-45FF-8C6D-A0476ABA9085}" type="datetimeFigureOut">
               <a:rPr lang="zh-CN" altLang="en-US" smtClean="0"/>
-              <a:t>2024/4/23</a:t>
+              <a:t>2024/4/24</a:t>
             </a:fld>
             <a:endParaRPr lang="zh-CN" altLang="en-US"/>
           </a:p>
@@ -5503,7 +5502,7 @@
           <a:p>
             <a:fld id="{3576E301-EDC1-45FF-8C6D-A0476ABA9085}" type="datetimeFigureOut">
               <a:rPr lang="zh-CN" altLang="en-US" smtClean="0"/>
-              <a:t>2024/4/23</a:t>
+              <a:t>2024/4/24</a:t>
             </a:fld>
             <a:endParaRPr lang="zh-CN" altLang="en-US"/>
           </a:p>
@@ -5616,7 +5615,7 @@
           <a:p>
             <a:fld id="{3576E301-EDC1-45FF-8C6D-A0476ABA9085}" type="datetimeFigureOut">
               <a:rPr lang="zh-CN" altLang="en-US" smtClean="0"/>
-              <a:t>2024/4/23</a:t>
+              <a:t>2024/4/24</a:t>
             </a:fld>
             <a:endParaRPr lang="zh-CN" altLang="en-US"/>
           </a:p>
@@ -5927,7 +5926,7 @@
           <a:p>
             <a:fld id="{3576E301-EDC1-45FF-8C6D-A0476ABA9085}" type="datetimeFigureOut">
               <a:rPr lang="zh-CN" altLang="en-US" smtClean="0"/>
-              <a:t>2024/4/23</a:t>
+              <a:t>2024/4/24</a:t>
             </a:fld>
             <a:endParaRPr lang="zh-CN" altLang="en-US"/>
           </a:p>
@@ -6215,7 +6214,7 @@
           <a:p>
             <a:fld id="{3576E301-EDC1-45FF-8C6D-A0476ABA9085}" type="datetimeFigureOut">
               <a:rPr lang="zh-CN" altLang="en-US" smtClean="0"/>
-              <a:t>2024/4/23</a:t>
+              <a:t>2024/4/24</a:t>
             </a:fld>
             <a:endParaRPr lang="zh-CN" altLang="en-US"/>
           </a:p>
@@ -6456,7 +6455,7 @@
           <a:p>
             <a:fld id="{3576E301-EDC1-45FF-8C6D-A0476ABA9085}" type="datetimeFigureOut">
               <a:rPr lang="zh-CN" altLang="en-US" smtClean="0"/>
-              <a:t>2024/4/23</a:t>
+              <a:t>2024/4/24</a:t>
             </a:fld>
             <a:endParaRPr lang="zh-CN" altLang="en-US"/>
           </a:p>
@@ -7103,7 +7102,19 @@
             <a:pPr lvl="1"/>
             <a:r>
               <a:rPr lang="zh-CN" altLang="en-US" dirty="0"/>
-              <a:t>确保图像分辨率足够高，能够清晰地显示车底的细节，方便识别潜在的爆炸物。</a:t>
+              <a:t>确保图像</a:t>
+            </a:r>
+            <a:r>
+              <a:rPr lang="zh-CN" altLang="en-US" dirty="0">
+                <a:solidFill>
+                  <a:srgbClr val="FF0000"/>
+                </a:solidFill>
+              </a:rPr>
+              <a:t>分辨率</a:t>
+            </a:r>
+            <a:r>
+              <a:rPr lang="zh-CN" altLang="en-US" dirty="0"/>
+              <a:t>足够高，能够清晰地显示车底的细节，方便识别潜在的爆炸物。</a:t>
             </a:r>
             <a:endParaRPr lang="en-US" altLang="zh-CN" dirty="0"/>
           </a:p>
@@ -7126,7 +7137,19 @@
             <a:pPr lvl="1"/>
             <a:r>
               <a:rPr lang="zh-CN" altLang="en-US" dirty="0"/>
-              <a:t>具有较高的识别精度，能够有限区分爆炸物和其他物品，减少误报和漏报。</a:t>
+              <a:t>具有较高的识别精度，能够有限区分爆炸物和其他物品，减少</a:t>
+            </a:r>
+            <a:r>
+              <a:rPr lang="zh-CN" altLang="en-US" dirty="0">
+                <a:solidFill>
+                  <a:srgbClr val="FF0000"/>
+                </a:solidFill>
+              </a:rPr>
+              <a:t>误报和漏报</a:t>
+            </a:r>
+            <a:r>
+              <a:rPr lang="zh-CN" altLang="en-US" dirty="0"/>
+              <a:t>。</a:t>
             </a:r>
             <a:endParaRPr lang="en-US" altLang="zh-CN" dirty="0"/>
           </a:p>
@@ -8883,6 +8906,97 @@
                 </a:solidFill>
               </a:rPr>
               <a:t>双人合作</a:t>
+            </a:r>
+          </a:p>
+        </p:txBody>
+      </p:sp>
+      <p:sp>
+        <p:nvSpPr>
+          <p:cNvPr id="15" name="箭头: 右 14">
+            <a:extLst>
+              <a:ext uri="{FF2B5EF4-FFF2-40B4-BE49-F238E27FC236}">
+                <a16:creationId xmlns:a16="http://schemas.microsoft.com/office/drawing/2014/main" id="{31FAF609-0122-ECDF-53D7-4EDD1DDCE627}"/>
+              </a:ext>
+            </a:extLst>
+          </p:cNvPr>
+          <p:cNvSpPr/>
+          <p:nvPr/>
+        </p:nvSpPr>
+        <p:spPr>
+          <a:xfrm rot="9783105">
+            <a:off x="4757524" y="5073649"/>
+            <a:ext cx="418564" cy="164695"/>
+          </a:xfrm>
+          <a:prstGeom prst="rightArrow">
+            <a:avLst>
+              <a:gd name="adj1" fmla="val 36693"/>
+              <a:gd name="adj2" fmla="val 78220"/>
+            </a:avLst>
+          </a:prstGeom>
+          <a:solidFill>
+            <a:srgbClr val="FF0000"/>
+          </a:solidFill>
+        </p:spPr>
+        <p:style>
+          <a:lnRef idx="2">
+            <a:schemeClr val="accent2">
+              <a:shade val="15000"/>
+            </a:schemeClr>
+          </a:lnRef>
+          <a:fillRef idx="1">
+            <a:schemeClr val="accent2"/>
+          </a:fillRef>
+          <a:effectRef idx="0">
+            <a:schemeClr val="accent2"/>
+          </a:effectRef>
+          <a:fontRef idx="minor">
+            <a:schemeClr val="lt1"/>
+          </a:fontRef>
+        </p:style>
+        <p:txBody>
+          <a:bodyPr rtlCol="0" anchor="ctr"/>
+          <a:lstStyle/>
+          <a:p>
+            <a:pPr algn="ctr"/>
+            <a:endParaRPr lang="zh-CN" altLang="en-US"/>
+          </a:p>
+        </p:txBody>
+      </p:sp>
+      <p:sp>
+        <p:nvSpPr>
+          <p:cNvPr id="16" name="文本框 15">
+            <a:extLst>
+              <a:ext uri="{FF2B5EF4-FFF2-40B4-BE49-F238E27FC236}">
+                <a16:creationId xmlns:a16="http://schemas.microsoft.com/office/drawing/2014/main" id="{88667F92-89A9-1270-55B6-948DC6F2F14C}"/>
+              </a:ext>
+            </a:extLst>
+          </p:cNvPr>
+          <p:cNvSpPr txBox="1"/>
+          <p:nvPr/>
+        </p:nvSpPr>
+        <p:spPr>
+          <a:xfrm>
+            <a:off x="2907638" y="5264860"/>
+            <a:ext cx="2059168" cy="646331"/>
+          </a:xfrm>
+          <a:prstGeom prst="rect">
+            <a:avLst/>
+          </a:prstGeom>
+          <a:noFill/>
+        </p:spPr>
+        <p:txBody>
+          <a:bodyPr wrap="square" rtlCol="0">
+            <a:spAutoFit/>
+          </a:bodyPr>
+          <a:lstStyle/>
+          <a:p>
+            <a:r>
+              <a:rPr lang="zh-CN" altLang="en-US" dirty="0">
+                <a:solidFill>
+                  <a:srgbClr val="FF0000"/>
+                </a:solidFill>
+              </a:rPr>
+              <a:t>软件开发的同时进行算法优化</a:t>
             </a:r>
           </a:p>
         </p:txBody>
@@ -30760,7 +30874,19 @@
               <a:rPr lang="zh-CN" altLang="en-US" dirty="0"/>
               <a:t>构建模拟数据集</a:t>
             </a:r>
-            <a:endParaRPr lang="en-US" altLang="zh-CN" dirty="0"/>
+            <a:r>
+              <a:rPr lang="zh-CN" altLang="en-US" dirty="0">
+                <a:solidFill>
+                  <a:srgbClr val="FF0000"/>
+                </a:solidFill>
+              </a:rPr>
+              <a:t>（风险点：数据一致性）</a:t>
+            </a:r>
+            <a:endParaRPr lang="en-US" altLang="zh-CN" dirty="0">
+              <a:solidFill>
+                <a:srgbClr val="FF0000"/>
+              </a:solidFill>
+            </a:endParaRPr>
           </a:p>
           <a:p>
             <a:pPr lvl="1">
@@ -30902,7 +31028,19 @@
               <a:rPr lang="zh-CN" altLang="en-US" dirty="0"/>
               <a:t>进行实验，测试产品的实际性能。</a:t>
             </a:r>
-            <a:endParaRPr lang="en-US" altLang="zh-CN" dirty="0"/>
+            <a:r>
+              <a:rPr lang="zh-CN" altLang="en-US" dirty="0">
+                <a:solidFill>
+                  <a:srgbClr val="FF0000"/>
+                </a:solidFill>
+              </a:rPr>
+              <a:t>（风险点：具体测试地点）</a:t>
+            </a:r>
+            <a:endParaRPr lang="en-US" altLang="zh-CN" dirty="0">
+              <a:solidFill>
+                <a:srgbClr val="FF0000"/>
+              </a:solidFill>
+            </a:endParaRPr>
           </a:p>
           <a:p>
             <a:pPr lvl="2">
@@ -31351,7 +31489,7 @@
           <a:p>
             <a:r>
               <a:rPr lang="zh-CN" altLang="en-US" dirty="0"/>
-              <a:t>硬件设计</a:t>
+              <a:t>硬件设计（设备提供商）</a:t>
             </a:r>
           </a:p>
         </p:txBody>
@@ -31520,7 +31658,19 @@
               <a:rPr lang="zh-CN" altLang="en-US" dirty="0"/>
               <a:t>设计传感器安装结构，确保传感器稳定可靠地安装在车底扫描平台上。</a:t>
             </a:r>
-            <a:endParaRPr lang="en-US" altLang="zh-CN" dirty="0"/>
+            <a:r>
+              <a:rPr lang="zh-CN" altLang="en-US" dirty="0">
+                <a:solidFill>
+                  <a:srgbClr val="FF0000"/>
+                </a:solidFill>
+              </a:rPr>
+              <a:t>（风险点：雨天环境）</a:t>
+            </a:r>
+            <a:endParaRPr lang="en-US" altLang="zh-CN" dirty="0">
+              <a:solidFill>
+                <a:srgbClr val="FF0000"/>
+              </a:solidFill>
+            </a:endParaRPr>
           </a:p>
           <a:p>
             <a:pPr lvl="1">
@@ -31634,7 +31784,19 @@
             </a:pPr>
             <a:r>
               <a:rPr lang="zh-CN" altLang="en-US" dirty="0"/>
-              <a:t>工作站：选择计算性能强、稳定性强的工作站。</a:t>
+              <a:t>工作站：选择</a:t>
+            </a:r>
+            <a:r>
+              <a:rPr lang="zh-CN" altLang="en-US" dirty="0">
+                <a:solidFill>
+                  <a:srgbClr val="FF0000"/>
+                </a:solidFill>
+              </a:rPr>
+              <a:t>计算性能强</a:t>
+            </a:r>
+            <a:r>
+              <a:rPr lang="zh-CN" altLang="en-US" dirty="0"/>
+              <a:t>、稳定性强的工作站。</a:t>
             </a:r>
             <a:endParaRPr lang="en-US" altLang="zh-CN" dirty="0"/>
           </a:p>
@@ -32491,7 +32653,19 @@
             </a:r>
             <a:r>
               <a:rPr lang="zh-CN" altLang="en-US" dirty="0"/>
-              <a:t>准备好安全的装配和调试环境。</a:t>
+              <a:t>准备好安全的装配和</a:t>
+            </a:r>
+            <a:r>
+              <a:rPr lang="zh-CN" altLang="en-US" dirty="0">
+                <a:solidFill>
+                  <a:srgbClr val="FF0000"/>
+                </a:solidFill>
+              </a:rPr>
+              <a:t>调试环境</a:t>
+            </a:r>
+            <a:r>
+              <a:rPr lang="zh-CN" altLang="en-US" dirty="0"/>
+              <a:t>。</a:t>
             </a:r>
             <a:endParaRPr lang="en-US" altLang="zh-CN" dirty="0"/>
           </a:p>
@@ -32926,36 +33100,6 @@
 </file>
 
 <file path=ppt/slides/slide33.xml><?xml version="1.0" encoding="utf-8"?>
-<p:sld xmlns:a="http://schemas.openxmlformats.org/drawingml/2006/main" xmlns:r="http://schemas.openxmlformats.org/officeDocument/2006/relationships" xmlns:p="http://schemas.openxmlformats.org/presentationml/2006/main">
-  <p:cSld>
-    <p:spTree>
-      <p:nvGrpSpPr>
-        <p:cNvPr id="1" name=""/>
-        <p:cNvGrpSpPr/>
-        <p:nvPr/>
-      </p:nvGrpSpPr>
-      <p:grpSpPr>
-        <a:xfrm>
-          <a:off x="0" y="0"/>
-          <a:ext cx="0" cy="0"/>
-          <a:chOff x="0" y="0"/>
-          <a:chExt cx="0" cy="0"/>
-        </a:xfrm>
-      </p:grpSpPr>
-    </p:spTree>
-    <p:extLst>
-      <p:ext uri="{BB962C8B-B14F-4D97-AF65-F5344CB8AC3E}">
-        <p14:creationId xmlns:p14="http://schemas.microsoft.com/office/powerpoint/2010/main" val="565693120"/>
-      </p:ext>
-    </p:extLst>
-  </p:cSld>
-  <p:clrMapOvr>
-    <a:masterClrMapping/>
-  </p:clrMapOvr>
-</p:sld>
-</file>
-
-<file path=ppt/slides/slide34.xml><?xml version="1.0" encoding="utf-8"?>
 <p:sld xmlns:a="http://schemas.openxmlformats.org/drawingml/2006/main" xmlns:r="http://schemas.openxmlformats.org/officeDocument/2006/relationships" xmlns:p="http://schemas.openxmlformats.org/presentationml/2006/main">
   <p:cSld>
     <p:spTree>
